--- a/MyMemo.pptx
+++ b/MyMemo.pptx
@@ -4839,38 +4839,6 @@
               <a:t> </a:t>
             </a:r>
             <a:r>
-              <a:rPr kumimoji="1" lang="en-US" altLang="ko-KR" b="1" dirty="0">
-                <a:solidFill>
-                  <a:schemeClr val="accent4"/>
-                </a:solidFill>
-              </a:rPr>
-              <a:t>+</a:t>
-            </a:r>
-            <a:r>
-              <a:rPr kumimoji="1" lang="ko-KR" altLang="en-US" b="1" dirty="0">
-                <a:solidFill>
-                  <a:schemeClr val="accent4"/>
-                </a:solidFill>
-              </a:rPr>
-              <a:t> </a:t>
-            </a:r>
-            <a:r>
-              <a:rPr kumimoji="1" lang="en-US" altLang="ko-KR" b="1" dirty="0" err="1">
-                <a:solidFill>
-                  <a:schemeClr val="accent4"/>
-                </a:solidFill>
-              </a:rPr>
-              <a:t>JQuery</a:t>
-            </a:r>
-            <a:r>
-              <a:rPr kumimoji="1" lang="ko-KR" altLang="en-US" dirty="0">
-                <a:solidFill>
-                  <a:schemeClr val="accent4"/>
-                </a:solidFill>
-              </a:rPr>
-              <a:t> </a:t>
-            </a:r>
-            <a:r>
               <a:rPr kumimoji="1" lang="en-US" altLang="ko-KR" dirty="0">
                 <a:solidFill>
                   <a:schemeClr val="accent4"/>
@@ -4912,6 +4880,30 @@
             </a:r>
             <a:r>
               <a:rPr kumimoji="1" lang="ko-KR" altLang="en-US" b="1" dirty="0">
+                <a:solidFill>
+                  <a:schemeClr val="accent6"/>
+                </a:solidFill>
+              </a:rPr>
+              <a:t> </a:t>
+            </a:r>
+            <a:r>
+              <a:rPr kumimoji="1" lang="en-US" altLang="ko-KR" b="1" dirty="0">
+                <a:solidFill>
+                  <a:schemeClr val="accent6"/>
+                </a:solidFill>
+              </a:rPr>
+              <a:t>+ </a:t>
+            </a:r>
+            <a:r>
+              <a:rPr kumimoji="1" lang="en-US" altLang="ko-KR" b="1" dirty="0" err="1">
+                <a:solidFill>
+                  <a:schemeClr val="accent6"/>
+                </a:solidFill>
+              </a:rPr>
+              <a:t>JQuery</a:t>
+            </a:r>
+            <a:r>
+              <a:rPr kumimoji="1" lang="en-US" altLang="ko-KR" b="1" dirty="0">
                 <a:solidFill>
                   <a:schemeClr val="accent6"/>
                 </a:solidFill>

--- a/MyMemo.pptx
+++ b/MyMemo.pptx
@@ -4879,7 +4879,7 @@
               <a:t>Node.js</a:t>
             </a:r>
             <a:r>
-              <a:rPr kumimoji="1" lang="ko-KR" altLang="en-US" b="1" dirty="0">
+              <a:rPr kumimoji="1" lang="ko-KR" altLang="en-US" b="1">
                 <a:solidFill>
                   <a:schemeClr val="accent6"/>
                 </a:solidFill>
@@ -4887,31 +4887,7 @@
               <a:t> </a:t>
             </a:r>
             <a:r>
-              <a:rPr kumimoji="1" lang="en-US" altLang="ko-KR" b="1" dirty="0">
-                <a:solidFill>
-                  <a:schemeClr val="accent6"/>
-                </a:solidFill>
-              </a:rPr>
-              <a:t>+ </a:t>
-            </a:r>
-            <a:r>
-              <a:rPr kumimoji="1" lang="en-US" altLang="ko-KR" b="1" dirty="0" err="1">
-                <a:solidFill>
-                  <a:schemeClr val="accent6"/>
-                </a:solidFill>
-              </a:rPr>
-              <a:t>JQuery</a:t>
-            </a:r>
-            <a:r>
-              <a:rPr kumimoji="1" lang="en-US" altLang="ko-KR" b="1" dirty="0">
-                <a:solidFill>
-                  <a:schemeClr val="accent6"/>
-                </a:solidFill>
-              </a:rPr>
-              <a:t> </a:t>
-            </a:r>
-            <a:r>
-              <a:rPr kumimoji="1" lang="en-US" altLang="ko-KR" dirty="0">
+              <a:rPr kumimoji="1" lang="en-US" altLang="ko-KR">
                 <a:solidFill>
                   <a:schemeClr val="accent6"/>
                 </a:solidFill>
